--- a/Evidencias Grupales/Proyecto APT.pptx
+++ b/Evidencias Grupales/Proyecto APT.pptx
@@ -266,7 +266,7 @@
             <a:pPr rtl="0"/>
             <a:fld id="{D616F88A-1F88-4239-87EF-52B0472B12BA}" type="datetime1">
               <a:rPr lang="es-ES" smtClean="0"/>
-              <a:t>10/09/2024</a:t>
+              <a:t>11/09/2024</a:t>
             </a:fld>
             <a:endParaRPr lang="es-ES" dirty="0"/>
           </a:p>
@@ -448,7 +448,7 @@
             <a:fld id="{443E54B2-6DCF-4226-8291-422D9D9BECF1}" type="datetime1">
               <a:rPr lang="es-ES" smtClean="0"/>
               <a:pPr/>
-              <a:t>10/09/2024</a:t>
+              <a:t>11/09/2024</a:t>
             </a:fld>
             <a:endParaRPr lang="es-ES" dirty="0"/>
           </a:p>
@@ -30115,40 +30115,6 @@
       </p:grpSpPr>
       <p:sp>
         <p:nvSpPr>
-          <p:cNvPr id="2" name="Marcador de pie de página 1">
-            <a:extLst>
-              <a:ext uri="{FF2B5EF4-FFF2-40B4-BE49-F238E27FC236}">
-                <a16:creationId xmlns:a16="http://schemas.microsoft.com/office/drawing/2014/main" id="{E72128AB-3272-4888-9F47-3B59404AF421}"/>
-              </a:ext>
-            </a:extLst>
-          </p:cNvPr>
-          <p:cNvSpPr>
-            <a:spLocks noGrp="1"/>
-          </p:cNvSpPr>
-          <p:nvPr>
-            <p:ph type="ftr" sz="quarter" idx="11"/>
-          </p:nvPr>
-        </p:nvSpPr>
-        <p:spPr>
-          <a:xfrm>
-            <a:off x="838200" y="1777859"/>
-            <a:ext cx="4114800" cy="365125"/>
-          </a:xfrm>
-        </p:spPr>
-        <p:txBody>
-          <a:bodyPr/>
-          <a:lstStyle/>
-          <a:p>
-            <a:pPr rtl="0"/>
-            <a:r>
-              <a:rPr lang="es-ES" noProof="0" dirty="0"/>
-              <a:t>Reuniones con Stakeholder / Kick-Off. </a:t>
-            </a:r>
-          </a:p>
-        </p:txBody>
-      </p:sp>
-      <p:sp>
-        <p:nvSpPr>
           <p:cNvPr id="3" name="Marcador de número de diapositiva 2">
             <a:extLst>
               <a:ext uri="{FF2B5EF4-FFF2-40B4-BE49-F238E27FC236}">
@@ -30326,10 +30292,11 @@
             </a:lvl9pPr>
           </a:lstStyle>
           <a:p>
-            <a:r>
-              <a:rPr lang="es-ES" dirty="0"/>
-              <a:t>Levantamiento de Requerimientos</a:t>
-            </a:r>
+            <a:endParaRPr lang="es-ES" sz="1400" dirty="0">
+              <a:solidFill>
+                <a:schemeClr val="tx1"/>
+              </a:solidFill>
+            </a:endParaRPr>
           </a:p>
         </p:txBody>
       </p:sp>
@@ -30454,10 +30421,11 @@
             </a:lvl9pPr>
           </a:lstStyle>
           <a:p>
-            <a:r>
-              <a:rPr lang="es-ES" dirty="0"/>
-              <a:t>Levantamiento de casos de uso</a:t>
-            </a:r>
+            <a:endParaRPr lang="es-ES" sz="1400" dirty="0">
+              <a:solidFill>
+                <a:schemeClr val="tx1"/>
+              </a:solidFill>
+            </a:endParaRPr>
           </a:p>
         </p:txBody>
       </p:sp>
@@ -30582,10 +30550,11 @@
             </a:lvl9pPr>
           </a:lstStyle>
           <a:p>
-            <a:r>
-              <a:rPr lang="es-ES" dirty="0"/>
-              <a:t>Levantamiento de flujos de procesos</a:t>
-            </a:r>
+            <a:endParaRPr lang="es-ES" sz="1400" dirty="0">
+              <a:solidFill>
+                <a:schemeClr val="tx1"/>
+              </a:solidFill>
+            </a:endParaRPr>
           </a:p>
         </p:txBody>
       </p:sp>
@@ -30710,11 +30679,11 @@
             </a:lvl9pPr>
           </a:lstStyle>
           <a:p>
-            <a:r>
-              <a:rPr lang="es-ES"/>
-              <a:t>Diseño de solución</a:t>
-            </a:r>
-            <a:endParaRPr lang="es-ES" dirty="0"/>
+            <a:endParaRPr lang="es-ES" sz="1400" dirty="0">
+              <a:solidFill>
+                <a:schemeClr val="tx1"/>
+              </a:solidFill>
+            </a:endParaRPr>
           </a:p>
         </p:txBody>
       </p:sp>
@@ -30839,11 +30808,11 @@
             </a:lvl9pPr>
           </a:lstStyle>
           <a:p>
-            <a:r>
-              <a:rPr lang="es-ES"/>
-              <a:t>Primer Sprint de desarrollo</a:t>
-            </a:r>
-            <a:endParaRPr lang="es-ES" dirty="0"/>
+            <a:endParaRPr lang="es-ES" sz="1400" dirty="0">
+              <a:solidFill>
+                <a:schemeClr val="tx1"/>
+              </a:solidFill>
+            </a:endParaRPr>
           </a:p>
         </p:txBody>
       </p:sp>
@@ -30968,10 +30937,11 @@
             </a:lvl9pPr>
           </a:lstStyle>
           <a:p>
-            <a:r>
-              <a:rPr lang="es-ES" dirty="0"/>
-              <a:t>Tercer Sprint de desarrollo</a:t>
-            </a:r>
+            <a:endParaRPr lang="es-ES" sz="1400" dirty="0">
+              <a:solidFill>
+                <a:schemeClr val="tx1"/>
+              </a:solidFill>
+            </a:endParaRPr>
           </a:p>
         </p:txBody>
       </p:sp>
@@ -31096,11 +31066,11 @@
             </a:lvl9pPr>
           </a:lstStyle>
           <a:p>
-            <a:r>
-              <a:rPr lang="es-ES"/>
-              <a:t>Segundo Sprint de desarrollo</a:t>
-            </a:r>
-            <a:endParaRPr lang="es-ES" dirty="0"/>
+            <a:endParaRPr lang="es-ES" sz="1400" dirty="0">
+              <a:solidFill>
+                <a:schemeClr val="tx1"/>
+              </a:solidFill>
+            </a:endParaRPr>
           </a:p>
         </p:txBody>
       </p:sp>
@@ -31225,11 +31195,11 @@
             </a:lvl9pPr>
           </a:lstStyle>
           <a:p>
-            <a:r>
-              <a:rPr lang="es-ES"/>
-              <a:t>Marcha blanca</a:t>
-            </a:r>
-            <a:endParaRPr lang="es-ES" dirty="0"/>
+            <a:endParaRPr lang="es-ES" sz="1400" dirty="0">
+              <a:solidFill>
+                <a:schemeClr val="tx1"/>
+              </a:solidFill>
+            </a:endParaRPr>
           </a:p>
         </p:txBody>
       </p:sp>
@@ -31354,14 +31324,678 @@
             </a:lvl9pPr>
           </a:lstStyle>
           <a:p>
-            <a:r>
-              <a:rPr lang="es-ES"/>
-              <a:t>Implementación</a:t>
-            </a:r>
-            <a:endParaRPr lang="es-ES" dirty="0"/>
+            <a:endParaRPr lang="es-ES" sz="1400" dirty="0">
+              <a:solidFill>
+                <a:schemeClr val="tx1"/>
+              </a:solidFill>
+            </a:endParaRPr>
           </a:p>
         </p:txBody>
       </p:sp>
+      <p:graphicFrame>
+        <p:nvGraphicFramePr>
+          <p:cNvPr id="12" name="Tabla 11">
+            <a:extLst>
+              <a:ext uri="{FF2B5EF4-FFF2-40B4-BE49-F238E27FC236}">
+                <a16:creationId xmlns:a16="http://schemas.microsoft.com/office/drawing/2014/main" id="{D80CBB4C-16C6-247F-6E92-8E5ED0F8FB52}"/>
+              </a:ext>
+            </a:extLst>
+          </p:cNvPr>
+          <p:cNvGraphicFramePr>
+            <a:graphicFrameLocks noGrp="1"/>
+          </p:cNvGraphicFramePr>
+          <p:nvPr>
+            <p:extLst>
+              <p:ext uri="{D42A27DB-BD31-4B8C-83A1-F6EECF244321}">
+                <p14:modId xmlns:p14="http://schemas.microsoft.com/office/powerpoint/2010/main" val="3937687139"/>
+              </p:ext>
+            </p:extLst>
+          </p:nvPr>
+        </p:nvGraphicFramePr>
+        <p:xfrm>
+          <a:off x="1381071" y="2610219"/>
+          <a:ext cx="8128000" cy="3250662"/>
+        </p:xfrm>
+        <a:graphic>
+          <a:graphicData uri="http://schemas.openxmlformats.org/drawingml/2006/table">
+            <a:tbl>
+              <a:tblPr firstRow="1" bandRow="1">
+                <a:tableStyleId>{3B4B98B0-60AC-42C2-AFA5-B58CD77FA1E5}</a:tableStyleId>
+              </a:tblPr>
+              <a:tblGrid>
+                <a:gridCol w="4064000">
+                  <a:extLst>
+                    <a:ext uri="{9D8B030D-6E8A-4147-A177-3AD203B41FA5}">
+                      <a16:colId xmlns:a16="http://schemas.microsoft.com/office/drawing/2014/main" val="3441692252"/>
+                    </a:ext>
+                  </a:extLst>
+                </a:gridCol>
+                <a:gridCol w="4064000">
+                  <a:extLst>
+                    <a:ext uri="{9D8B030D-6E8A-4147-A177-3AD203B41FA5}">
+                      <a16:colId xmlns:a16="http://schemas.microsoft.com/office/drawing/2014/main" val="3867053317"/>
+                    </a:ext>
+                  </a:extLst>
+                </a:gridCol>
+              </a:tblGrid>
+              <a:tr h="3250662">
+                <a:tc>
+                  <a:txBody>
+                    <a:bodyPr/>
+                    <a:lstStyle/>
+                    <a:p>
+                      <a:pPr marL="285750" marR="0" lvl="0" indent="-285750" algn="l" defTabSz="914400" rtl="0" eaLnBrk="1" fontAlgn="auto" latinLnBrk="0" hangingPunct="1">
+                        <a:lnSpc>
+                          <a:spcPct val="100000"/>
+                        </a:lnSpc>
+                        <a:spcBef>
+                          <a:spcPts val="0"/>
+                        </a:spcBef>
+                        <a:spcAft>
+                          <a:spcPts val="0"/>
+                        </a:spcAft>
+                        <a:buClrTx/>
+                        <a:buSzTx/>
+                        <a:buFont typeface="Arial" panose="020B0604020202020204" pitchFamily="34" charset="0"/>
+                        <a:buChar char="•"/>
+                        <a:tabLst/>
+                        <a:defRPr/>
+                      </a:pPr>
+                      <a:r>
+                        <a:rPr lang="es-ES" sz="1400" noProof="0" dirty="0">
+                          <a:solidFill>
+                            <a:schemeClr val="tx1"/>
+                          </a:solidFill>
+                        </a:rPr>
+                        <a:t>Reuniones con </a:t>
+                      </a:r>
+                      <a:r>
+                        <a:rPr lang="es-ES" sz="1400" noProof="0" dirty="0" err="1">
+                          <a:solidFill>
+                            <a:schemeClr val="tx1"/>
+                          </a:solidFill>
+                        </a:rPr>
+                        <a:t>Stakeholder</a:t>
+                      </a:r>
+                      <a:r>
+                        <a:rPr lang="es-ES" sz="1400" noProof="0" dirty="0">
+                          <a:solidFill>
+                            <a:schemeClr val="tx1"/>
+                          </a:solidFill>
+                        </a:rPr>
+                        <a:t> / </a:t>
+                      </a:r>
+                      <a:r>
+                        <a:rPr lang="es-ES" sz="1400" noProof="0" dirty="0" err="1">
+                          <a:solidFill>
+                            <a:schemeClr val="tx1"/>
+                          </a:solidFill>
+                        </a:rPr>
+                        <a:t>Kick</a:t>
+                      </a:r>
+                      <a:r>
+                        <a:rPr lang="es-ES" sz="1400" noProof="0" dirty="0">
+                          <a:solidFill>
+                            <a:schemeClr val="tx1"/>
+                          </a:solidFill>
+                        </a:rPr>
+                        <a:t>-Off. </a:t>
+                      </a:r>
+                    </a:p>
+                    <a:p>
+                      <a:pPr marL="285750" marR="0" lvl="0" indent="-285750" algn="l" defTabSz="914400" rtl="0" eaLnBrk="1" fontAlgn="auto" latinLnBrk="0" hangingPunct="1">
+                        <a:lnSpc>
+                          <a:spcPct val="100000"/>
+                        </a:lnSpc>
+                        <a:spcBef>
+                          <a:spcPts val="0"/>
+                        </a:spcBef>
+                        <a:spcAft>
+                          <a:spcPts val="0"/>
+                        </a:spcAft>
+                        <a:buClrTx/>
+                        <a:buSzTx/>
+                        <a:buFont typeface="Arial" panose="020B0604020202020204" pitchFamily="34" charset="0"/>
+                        <a:buChar char="•"/>
+                        <a:tabLst/>
+                        <a:defRPr/>
+                      </a:pPr>
+                      <a:endParaRPr lang="es-ES" sz="1400" noProof="0" dirty="0">
+                        <a:solidFill>
+                          <a:schemeClr val="tx1"/>
+                        </a:solidFill>
+                      </a:endParaRPr>
+                    </a:p>
+                    <a:p>
+                      <a:pPr marL="285750" marR="0" lvl="0" indent="-285750" algn="l" defTabSz="914400" rtl="0" eaLnBrk="1" fontAlgn="auto" latinLnBrk="0" hangingPunct="1">
+                        <a:lnSpc>
+                          <a:spcPct val="100000"/>
+                        </a:lnSpc>
+                        <a:spcBef>
+                          <a:spcPts val="0"/>
+                        </a:spcBef>
+                        <a:spcAft>
+                          <a:spcPts val="0"/>
+                        </a:spcAft>
+                        <a:buClrTx/>
+                        <a:buSzTx/>
+                        <a:buFont typeface="Arial" panose="020B0604020202020204" pitchFamily="34" charset="0"/>
+                        <a:buChar char="•"/>
+                        <a:tabLst/>
+                        <a:defRPr/>
+                      </a:pPr>
+                      <a:r>
+                        <a:rPr lang="es-ES" sz="1400" dirty="0">
+                          <a:solidFill>
+                            <a:schemeClr val="tx1"/>
+                          </a:solidFill>
+                        </a:rPr>
+                        <a:t>Levantamiento de Requerimientos</a:t>
+                      </a:r>
+                    </a:p>
+                    <a:p>
+                      <a:pPr marL="285750" marR="0" lvl="0" indent="-285750" algn="l" defTabSz="914400" rtl="0" eaLnBrk="1" fontAlgn="auto" latinLnBrk="0" hangingPunct="1">
+                        <a:lnSpc>
+                          <a:spcPct val="100000"/>
+                        </a:lnSpc>
+                        <a:spcBef>
+                          <a:spcPts val="0"/>
+                        </a:spcBef>
+                        <a:spcAft>
+                          <a:spcPts val="0"/>
+                        </a:spcAft>
+                        <a:buClrTx/>
+                        <a:buSzTx/>
+                        <a:buFont typeface="Arial" panose="020B0604020202020204" pitchFamily="34" charset="0"/>
+                        <a:buChar char="•"/>
+                        <a:tabLst/>
+                        <a:defRPr/>
+                      </a:pPr>
+                      <a:endParaRPr lang="es-ES" sz="1400" dirty="0">
+                        <a:solidFill>
+                          <a:schemeClr val="tx1"/>
+                        </a:solidFill>
+                      </a:endParaRPr>
+                    </a:p>
+                    <a:p>
+                      <a:pPr marL="285750" marR="0" lvl="0" indent="-285750" algn="l" defTabSz="914400" rtl="0" eaLnBrk="1" fontAlgn="auto" latinLnBrk="0" hangingPunct="1">
+                        <a:lnSpc>
+                          <a:spcPct val="100000"/>
+                        </a:lnSpc>
+                        <a:spcBef>
+                          <a:spcPts val="0"/>
+                        </a:spcBef>
+                        <a:spcAft>
+                          <a:spcPts val="0"/>
+                        </a:spcAft>
+                        <a:buClrTx/>
+                        <a:buSzTx/>
+                        <a:buFont typeface="Arial" panose="020B0604020202020204" pitchFamily="34" charset="0"/>
+                        <a:buChar char="•"/>
+                        <a:tabLst/>
+                        <a:defRPr/>
+                      </a:pPr>
+                      <a:r>
+                        <a:rPr lang="es-ES" sz="1400" dirty="0">
+                          <a:solidFill>
+                            <a:schemeClr val="tx1"/>
+                          </a:solidFill>
+                        </a:rPr>
+                        <a:t>Levantamiento de flujos de procesos</a:t>
+                      </a:r>
+                    </a:p>
+                    <a:p>
+                      <a:pPr marL="285750" marR="0" lvl="0" indent="-285750" algn="l" defTabSz="914400" rtl="0" eaLnBrk="1" fontAlgn="auto" latinLnBrk="0" hangingPunct="1">
+                        <a:lnSpc>
+                          <a:spcPct val="100000"/>
+                        </a:lnSpc>
+                        <a:spcBef>
+                          <a:spcPts val="0"/>
+                        </a:spcBef>
+                        <a:spcAft>
+                          <a:spcPts val="0"/>
+                        </a:spcAft>
+                        <a:buClrTx/>
+                        <a:buSzTx/>
+                        <a:buFont typeface="Arial" panose="020B0604020202020204" pitchFamily="34" charset="0"/>
+                        <a:buChar char="•"/>
+                        <a:tabLst/>
+                        <a:defRPr/>
+                      </a:pPr>
+                      <a:endParaRPr lang="es-ES" sz="1400" dirty="0">
+                        <a:solidFill>
+                          <a:schemeClr val="tx1"/>
+                        </a:solidFill>
+                      </a:endParaRPr>
+                    </a:p>
+                    <a:p>
+                      <a:pPr marL="285750" marR="0" lvl="0" indent="-285750" algn="l" defTabSz="914400" rtl="0" eaLnBrk="1" fontAlgn="auto" latinLnBrk="0" hangingPunct="1">
+                        <a:lnSpc>
+                          <a:spcPct val="100000"/>
+                        </a:lnSpc>
+                        <a:spcBef>
+                          <a:spcPts val="0"/>
+                        </a:spcBef>
+                        <a:spcAft>
+                          <a:spcPts val="0"/>
+                        </a:spcAft>
+                        <a:buClrTx/>
+                        <a:buSzTx/>
+                        <a:buFont typeface="Arial" panose="020B0604020202020204" pitchFamily="34" charset="0"/>
+                        <a:buChar char="•"/>
+                        <a:tabLst/>
+                        <a:defRPr/>
+                      </a:pPr>
+                      <a:r>
+                        <a:rPr lang="es-ES" sz="1400" dirty="0">
+                          <a:solidFill>
+                            <a:schemeClr val="tx1"/>
+                          </a:solidFill>
+                        </a:rPr>
+                        <a:t>Levantamiento de casos de uso</a:t>
+                      </a:r>
+                    </a:p>
+                    <a:p>
+                      <a:pPr marL="285750" marR="0" lvl="0" indent="-285750" algn="l" defTabSz="914400" rtl="0" eaLnBrk="1" fontAlgn="auto" latinLnBrk="0" hangingPunct="1">
+                        <a:lnSpc>
+                          <a:spcPct val="100000"/>
+                        </a:lnSpc>
+                        <a:spcBef>
+                          <a:spcPts val="0"/>
+                        </a:spcBef>
+                        <a:spcAft>
+                          <a:spcPts val="0"/>
+                        </a:spcAft>
+                        <a:buClrTx/>
+                        <a:buSzTx/>
+                        <a:buFont typeface="Arial" panose="020B0604020202020204" pitchFamily="34" charset="0"/>
+                        <a:buChar char="•"/>
+                        <a:tabLst/>
+                        <a:defRPr/>
+                      </a:pPr>
+                      <a:endParaRPr lang="es-ES" sz="1400" dirty="0">
+                        <a:solidFill>
+                          <a:schemeClr val="tx1"/>
+                        </a:solidFill>
+                      </a:endParaRPr>
+                    </a:p>
+                    <a:p>
+                      <a:pPr marL="285750" marR="0" lvl="0" indent="-285750" algn="l" defTabSz="914400" rtl="0" eaLnBrk="1" fontAlgn="auto" latinLnBrk="0" hangingPunct="1">
+                        <a:lnSpc>
+                          <a:spcPct val="100000"/>
+                        </a:lnSpc>
+                        <a:spcBef>
+                          <a:spcPts val="0"/>
+                        </a:spcBef>
+                        <a:spcAft>
+                          <a:spcPts val="0"/>
+                        </a:spcAft>
+                        <a:buClrTx/>
+                        <a:buSzTx/>
+                        <a:buFont typeface="Arial" panose="020B0604020202020204" pitchFamily="34" charset="0"/>
+                        <a:buChar char="•"/>
+                        <a:tabLst/>
+                        <a:defRPr/>
+                      </a:pPr>
+                      <a:r>
+                        <a:rPr lang="es-ES" sz="1400" dirty="0">
+                          <a:solidFill>
+                            <a:schemeClr val="tx1"/>
+                          </a:solidFill>
+                        </a:rPr>
+                        <a:t>Diseño de solución</a:t>
+                      </a:r>
+                    </a:p>
+                    <a:p>
+                      <a:pPr marL="0" marR="0" lvl="0" indent="0" algn="l" defTabSz="914400" rtl="0" eaLnBrk="1" fontAlgn="auto" latinLnBrk="0" hangingPunct="1">
+                        <a:lnSpc>
+                          <a:spcPct val="100000"/>
+                        </a:lnSpc>
+                        <a:spcBef>
+                          <a:spcPts val="0"/>
+                        </a:spcBef>
+                        <a:spcAft>
+                          <a:spcPts val="0"/>
+                        </a:spcAft>
+                        <a:buClrTx/>
+                        <a:buSzTx/>
+                        <a:buFontTx/>
+                        <a:buNone/>
+                        <a:tabLst/>
+                        <a:defRPr/>
+                      </a:pPr>
+                      <a:endParaRPr lang="es-ES" sz="1400" dirty="0">
+                        <a:solidFill>
+                          <a:schemeClr val="tx1"/>
+                        </a:solidFill>
+                      </a:endParaRPr>
+                    </a:p>
+                    <a:p>
+                      <a:pPr marL="0" marR="0" lvl="0" indent="0" algn="l" defTabSz="914400" rtl="0" eaLnBrk="1" fontAlgn="auto" latinLnBrk="0" hangingPunct="1">
+                        <a:lnSpc>
+                          <a:spcPct val="100000"/>
+                        </a:lnSpc>
+                        <a:spcBef>
+                          <a:spcPts val="0"/>
+                        </a:spcBef>
+                        <a:spcAft>
+                          <a:spcPts val="0"/>
+                        </a:spcAft>
+                        <a:buClrTx/>
+                        <a:buSzTx/>
+                        <a:buFontTx/>
+                        <a:buNone/>
+                        <a:tabLst/>
+                        <a:defRPr/>
+                      </a:pPr>
+                      <a:endParaRPr lang="es-ES" sz="1400" dirty="0">
+                        <a:solidFill>
+                          <a:schemeClr val="tx1"/>
+                        </a:solidFill>
+                      </a:endParaRPr>
+                    </a:p>
+                    <a:p>
+                      <a:endParaRPr lang="es-CL" sz="1400" dirty="0"/>
+                    </a:p>
+                    <a:p>
+                      <a:endParaRPr lang="es-CL" sz="1400" dirty="0"/>
+                    </a:p>
+                  </a:txBody>
+                  <a:tcPr>
+                    <a:lnL>
+                      <a:noFill/>
+                    </a:lnL>
+                    <a:lnR>
+                      <a:noFill/>
+                    </a:lnR>
+                    <a:lnT w="12700" cmpd="sng">
+                      <a:noFill/>
+                    </a:lnT>
+                    <a:lnB w="12700" cmpd="sng">
+                      <a:noFill/>
+                    </a:lnB>
+                    <a:lnTlToBr w="12700" cmpd="sng">
+                      <a:noFill/>
+                      <a:prstDash val="solid"/>
+                    </a:lnTlToBr>
+                    <a:lnBlToTr w="12700" cmpd="sng">
+                      <a:noFill/>
+                      <a:prstDash val="solid"/>
+                    </a:lnBlToTr>
+                  </a:tcPr>
+                </a:tc>
+                <a:tc>
+                  <a:txBody>
+                    <a:bodyPr/>
+                    <a:lstStyle/>
+                    <a:p>
+                      <a:pPr marL="285750" marR="0" lvl="0" indent="-285750" algn="l" defTabSz="914400" rtl="0" eaLnBrk="1" fontAlgn="auto" latinLnBrk="0" hangingPunct="1">
+                        <a:lnSpc>
+                          <a:spcPct val="100000"/>
+                        </a:lnSpc>
+                        <a:spcBef>
+                          <a:spcPts val="0"/>
+                        </a:spcBef>
+                        <a:spcAft>
+                          <a:spcPts val="0"/>
+                        </a:spcAft>
+                        <a:buClrTx/>
+                        <a:buSzTx/>
+                        <a:buFont typeface="Arial" panose="020B0604020202020204" pitchFamily="34" charset="0"/>
+                        <a:buChar char="•"/>
+                        <a:tabLst/>
+                        <a:defRPr/>
+                      </a:pPr>
+                      <a:r>
+                        <a:rPr lang="es-ES" sz="1400" dirty="0">
+                          <a:solidFill>
+                            <a:schemeClr val="tx1"/>
+                          </a:solidFill>
+                        </a:rPr>
+                        <a:t>Primer Sprint de desarrollo</a:t>
+                      </a:r>
+                    </a:p>
+                    <a:p>
+                      <a:pPr marL="285750" marR="0" lvl="0" indent="-285750" algn="l" defTabSz="914400" rtl="0" eaLnBrk="1" fontAlgn="auto" latinLnBrk="0" hangingPunct="1">
+                        <a:lnSpc>
+                          <a:spcPct val="100000"/>
+                        </a:lnSpc>
+                        <a:spcBef>
+                          <a:spcPts val="0"/>
+                        </a:spcBef>
+                        <a:spcAft>
+                          <a:spcPts val="0"/>
+                        </a:spcAft>
+                        <a:buClrTx/>
+                        <a:buSzTx/>
+                        <a:buFont typeface="Arial" panose="020B0604020202020204" pitchFamily="34" charset="0"/>
+                        <a:buChar char="•"/>
+                        <a:tabLst/>
+                        <a:defRPr/>
+                      </a:pPr>
+                      <a:endParaRPr lang="es-ES" sz="1400" dirty="0">
+                        <a:solidFill>
+                          <a:schemeClr val="tx1"/>
+                        </a:solidFill>
+                      </a:endParaRPr>
+                    </a:p>
+                    <a:p>
+                      <a:pPr marL="285750" marR="0" lvl="0" indent="-285750" algn="l" defTabSz="914400" rtl="0" eaLnBrk="1" fontAlgn="auto" latinLnBrk="0" hangingPunct="1">
+                        <a:lnSpc>
+                          <a:spcPct val="100000"/>
+                        </a:lnSpc>
+                        <a:spcBef>
+                          <a:spcPts val="0"/>
+                        </a:spcBef>
+                        <a:spcAft>
+                          <a:spcPts val="0"/>
+                        </a:spcAft>
+                        <a:buClrTx/>
+                        <a:buSzTx/>
+                        <a:buFont typeface="Arial" panose="020B0604020202020204" pitchFamily="34" charset="0"/>
+                        <a:buChar char="•"/>
+                        <a:tabLst/>
+                        <a:defRPr/>
+                      </a:pPr>
+                      <a:r>
+                        <a:rPr lang="es-ES" sz="1400" dirty="0">
+                          <a:solidFill>
+                            <a:schemeClr val="tx1"/>
+                          </a:solidFill>
+                        </a:rPr>
+                        <a:t>Segundo Sprint de desarrollo</a:t>
+                      </a:r>
+                    </a:p>
+                    <a:p>
+                      <a:pPr marL="285750" marR="0" lvl="0" indent="-285750" algn="l" defTabSz="914400" rtl="0" eaLnBrk="1" fontAlgn="auto" latinLnBrk="0" hangingPunct="1">
+                        <a:lnSpc>
+                          <a:spcPct val="100000"/>
+                        </a:lnSpc>
+                        <a:spcBef>
+                          <a:spcPts val="0"/>
+                        </a:spcBef>
+                        <a:spcAft>
+                          <a:spcPts val="0"/>
+                        </a:spcAft>
+                        <a:buClrTx/>
+                        <a:buSzTx/>
+                        <a:buFont typeface="Arial" panose="020B0604020202020204" pitchFamily="34" charset="0"/>
+                        <a:buChar char="•"/>
+                        <a:tabLst/>
+                        <a:defRPr/>
+                      </a:pPr>
+                      <a:endParaRPr lang="es-ES" sz="1400" dirty="0">
+                        <a:solidFill>
+                          <a:schemeClr val="tx1"/>
+                        </a:solidFill>
+                      </a:endParaRPr>
+                    </a:p>
+                    <a:p>
+                      <a:pPr marL="285750" marR="0" lvl="0" indent="-285750" algn="l" defTabSz="914400" rtl="0" eaLnBrk="1" fontAlgn="auto" latinLnBrk="0" hangingPunct="1">
+                        <a:lnSpc>
+                          <a:spcPct val="100000"/>
+                        </a:lnSpc>
+                        <a:spcBef>
+                          <a:spcPts val="0"/>
+                        </a:spcBef>
+                        <a:spcAft>
+                          <a:spcPts val="0"/>
+                        </a:spcAft>
+                        <a:buClrTx/>
+                        <a:buSzTx/>
+                        <a:buFont typeface="Arial" panose="020B0604020202020204" pitchFamily="34" charset="0"/>
+                        <a:buChar char="•"/>
+                        <a:tabLst/>
+                        <a:defRPr/>
+                      </a:pPr>
+                      <a:r>
+                        <a:rPr lang="es-ES" sz="1400" dirty="0">
+                          <a:solidFill>
+                            <a:schemeClr val="tx1"/>
+                          </a:solidFill>
+                        </a:rPr>
+                        <a:t>Tercer Sprint de desarrollo</a:t>
+                      </a:r>
+                    </a:p>
+                    <a:p>
+                      <a:pPr marL="285750" marR="0" lvl="0" indent="-285750" algn="l" defTabSz="914400" rtl="0" eaLnBrk="1" fontAlgn="auto" latinLnBrk="0" hangingPunct="1">
+                        <a:lnSpc>
+                          <a:spcPct val="100000"/>
+                        </a:lnSpc>
+                        <a:spcBef>
+                          <a:spcPts val="0"/>
+                        </a:spcBef>
+                        <a:spcAft>
+                          <a:spcPts val="0"/>
+                        </a:spcAft>
+                        <a:buClrTx/>
+                        <a:buSzTx/>
+                        <a:buFont typeface="Arial" panose="020B0604020202020204" pitchFamily="34" charset="0"/>
+                        <a:buChar char="•"/>
+                        <a:tabLst/>
+                        <a:defRPr/>
+                      </a:pPr>
+                      <a:endParaRPr lang="es-ES" sz="1400" dirty="0">
+                        <a:solidFill>
+                          <a:schemeClr val="tx1"/>
+                        </a:solidFill>
+                      </a:endParaRPr>
+                    </a:p>
+                    <a:p>
+                      <a:pPr marL="285750" marR="0" lvl="0" indent="-285750" algn="l" defTabSz="914400" rtl="0" eaLnBrk="1" fontAlgn="auto" latinLnBrk="0" hangingPunct="1">
+                        <a:lnSpc>
+                          <a:spcPct val="100000"/>
+                        </a:lnSpc>
+                        <a:spcBef>
+                          <a:spcPts val="0"/>
+                        </a:spcBef>
+                        <a:spcAft>
+                          <a:spcPts val="0"/>
+                        </a:spcAft>
+                        <a:buClrTx/>
+                        <a:buSzTx/>
+                        <a:buFont typeface="Arial" panose="020B0604020202020204" pitchFamily="34" charset="0"/>
+                        <a:buChar char="•"/>
+                        <a:tabLst/>
+                        <a:defRPr/>
+                      </a:pPr>
+                      <a:r>
+                        <a:rPr lang="es-ES" sz="1400" dirty="0">
+                          <a:solidFill>
+                            <a:schemeClr val="tx1"/>
+                          </a:solidFill>
+                        </a:rPr>
+                        <a:t>Implementación</a:t>
+                      </a:r>
+                    </a:p>
+                    <a:p>
+                      <a:pPr marL="285750" marR="0" lvl="0" indent="-285750" algn="l" defTabSz="914400" rtl="0" eaLnBrk="1" fontAlgn="auto" latinLnBrk="0" hangingPunct="1">
+                        <a:lnSpc>
+                          <a:spcPct val="100000"/>
+                        </a:lnSpc>
+                        <a:spcBef>
+                          <a:spcPts val="0"/>
+                        </a:spcBef>
+                        <a:spcAft>
+                          <a:spcPts val="0"/>
+                        </a:spcAft>
+                        <a:buClrTx/>
+                        <a:buSzTx/>
+                        <a:buFont typeface="Arial" panose="020B0604020202020204" pitchFamily="34" charset="0"/>
+                        <a:buChar char="•"/>
+                        <a:tabLst/>
+                        <a:defRPr/>
+                      </a:pPr>
+                      <a:endParaRPr lang="es-ES" sz="1400" dirty="0">
+                        <a:solidFill>
+                          <a:schemeClr val="tx1"/>
+                        </a:solidFill>
+                      </a:endParaRPr>
+                    </a:p>
+                    <a:p>
+                      <a:pPr marL="285750" marR="0" lvl="0" indent="-285750" algn="l" defTabSz="914400" rtl="0" eaLnBrk="1" fontAlgn="auto" latinLnBrk="0" hangingPunct="1">
+                        <a:lnSpc>
+                          <a:spcPct val="100000"/>
+                        </a:lnSpc>
+                        <a:spcBef>
+                          <a:spcPts val="0"/>
+                        </a:spcBef>
+                        <a:spcAft>
+                          <a:spcPts val="0"/>
+                        </a:spcAft>
+                        <a:buClrTx/>
+                        <a:buSzTx/>
+                        <a:buFont typeface="Arial" panose="020B0604020202020204" pitchFamily="34" charset="0"/>
+                        <a:buChar char="•"/>
+                        <a:tabLst/>
+                        <a:defRPr/>
+                      </a:pPr>
+                      <a:r>
+                        <a:rPr lang="es-ES" sz="1400" dirty="0">
+                          <a:solidFill>
+                            <a:schemeClr val="tx1"/>
+                          </a:solidFill>
+                        </a:rPr>
+                        <a:t>Marcha blanca</a:t>
+                      </a:r>
+                    </a:p>
+                    <a:p>
+                      <a:endParaRPr lang="es-CL" sz="1400" dirty="0"/>
+                    </a:p>
+                  </a:txBody>
+                  <a:tcPr>
+                    <a:lnL>
+                      <a:noFill/>
+                    </a:lnL>
+                    <a:lnR>
+                      <a:noFill/>
+                    </a:lnR>
+                    <a:lnT w="12700" cmpd="sng">
+                      <a:noFill/>
+                    </a:lnT>
+                    <a:lnB w="12700" cmpd="sng">
+                      <a:noFill/>
+                    </a:lnB>
+                    <a:lnTlToBr w="12700" cmpd="sng">
+                      <a:noFill/>
+                      <a:prstDash val="solid"/>
+                    </a:lnTlToBr>
+                    <a:lnBlToTr w="12700" cmpd="sng">
+                      <a:noFill/>
+                      <a:prstDash val="solid"/>
+                    </a:lnBlToTr>
+                  </a:tcPr>
+                </a:tc>
+                <a:extLst>
+                  <a:ext uri="{0D108BD9-81ED-4DB2-BD59-A6C34878D82A}">
+                    <a16:rowId xmlns:a16="http://schemas.microsoft.com/office/drawing/2014/main" val="387472139"/>
+                  </a:ext>
+                </a:extLst>
+              </a:tr>
+            </a:tbl>
+          </a:graphicData>
+        </a:graphic>
+      </p:graphicFrame>
     </p:spTree>
     <p:extLst>
       <p:ext uri="{BB962C8B-B14F-4D97-AF65-F5344CB8AC3E}">
@@ -31559,7 +32193,7 @@
         <p:spPr>
           <a:xfrm>
             <a:off x="1547813" y="2459504"/>
-            <a:ext cx="9096374" cy="1938992"/>
+            <a:ext cx="9096374" cy="1015663"/>
           </a:xfrm>
           <a:prstGeom prst="rect">
             <a:avLst/>
@@ -31579,7 +32213,7 @@
                   <a:srgbClr val="0070C0"/>
                 </a:solidFill>
               </a:rPr>
-              <a:t>¡Gracias por su atención aweonaos!!</a:t>
+              <a:t>¡Gracias por su atención!!</a:t>
             </a:r>
           </a:p>
         </p:txBody>
@@ -31984,17 +32618,27 @@
         </p:nvSpPr>
         <p:spPr/>
         <p:txBody>
-          <a:bodyPr/>
+          <a:bodyPr>
+            <a:normAutofit/>
+          </a:bodyPr>
           <a:lstStyle/>
           <a:p>
             <a:r>
-              <a:rPr lang="es-ES" dirty="0"/>
+              <a:rPr lang="es-ES" sz="1400" dirty="0">
+                <a:solidFill>
+                  <a:schemeClr val="tx1"/>
+                </a:solidFill>
+              </a:rPr>
               <a:t>Actualmente Setralog realiza todos sus procesos de forma manual utilizando planillas Excel para registrar a los clientes y los pedidos que estos realizan mediante correo electrónico.</a:t>
             </a:r>
           </a:p>
           <a:p>
             <a:r>
-              <a:rPr lang="es-ES" dirty="0"/>
+              <a:rPr lang="es-ES" sz="1400" dirty="0">
+                <a:solidFill>
+                  <a:schemeClr val="tx1"/>
+                </a:solidFill>
+              </a:rPr>
               <a:t>Este método de trabajo es lento y engorroso, ya que carece de centralización de la información y es susceptible a errores debido al ingreso manual de datos.</a:t>
             </a:r>
           </a:p>
@@ -32399,27 +33043,43 @@
         </p:spPr>
         <p:txBody>
           <a:bodyPr>
-            <a:normAutofit lnSpcReduction="10000"/>
+            <a:noAutofit/>
           </a:bodyPr>
           <a:lstStyle/>
           <a:p>
             <a:r>
-              <a:rPr lang="es-ES" sz="1200" b="0" dirty="0"/>
+              <a:rPr lang="es-ES" b="0" dirty="0">
+                <a:solidFill>
+                  <a:schemeClr val="tx1"/>
+                </a:solidFill>
+              </a:rPr>
               <a:t>El proyecto se centra en la creación de una solución informática que unifique la información mediante una plataforma web integral que ayude a la gestión de clientes y de solicitudes de ordenes de transporte; ayudando así a mejorar la gestión actual de SetraLog.</a:t>
             </a:r>
           </a:p>
           <a:p>
             <a:r>
-              <a:rPr lang="es-ES" sz="1200" b="0" dirty="0"/>
+              <a:rPr lang="es-ES" b="0" dirty="0">
+                <a:solidFill>
+                  <a:schemeClr val="tx1"/>
+                </a:solidFill>
+              </a:rPr>
               <a:t>Esto se traducirá en la optimización de procesos y tiempos, la centralización de datos y la reducción de errores de tipeo.</a:t>
             </a:r>
           </a:p>
           <a:p>
             <a:r>
-              <a:rPr lang="es-ES" sz="1200" dirty="0"/>
+              <a:rPr lang="es-ES" dirty="0">
+                <a:solidFill>
+                  <a:schemeClr val="tx1"/>
+                </a:solidFill>
+              </a:rPr>
               <a:t>Tendrá alto impacto en los usuarios finales, tanto el cliente de SetraLog como el personal de este.</a:t>
             </a:r>
-            <a:endParaRPr lang="es-ES" sz="1200" b="0" dirty="0"/>
+            <a:endParaRPr lang="es-ES" b="0" dirty="0">
+              <a:solidFill>
+                <a:schemeClr val="tx1"/>
+              </a:solidFill>
+            </a:endParaRPr>
           </a:p>
         </p:txBody>
       </p:sp>
@@ -32545,7 +33205,11 @@
           <a:lstStyle/>
           <a:p>
             <a:r>
-              <a:rPr lang="es-ES" sz="1400" b="0" dirty="0"/>
+              <a:rPr lang="es-ES" sz="1400" b="0" dirty="0">
+                <a:solidFill>
+                  <a:schemeClr val="tx1"/>
+                </a:solidFill>
+              </a:rPr>
               <a:t>El ERP (Enterprise resource planning) es una herramienta clave para organizar, controlar y evaluar los proyectos estudiantiles de manera eficiente, asegurando que los usuarios sigan un plan claro y que los docentes puedan monitorear los avances de manera estructurada.</a:t>
             </a:r>
           </a:p>
@@ -32796,11 +33460,13 @@
           </a:xfrm>
         </p:spPr>
         <p:txBody>
-          <a:bodyPr/>
+          <a:bodyPr>
+            <a:normAutofit/>
+          </a:bodyPr>
           <a:lstStyle/>
           <a:p>
             <a:r>
-              <a:rPr lang="es-ES" dirty="0"/>
+              <a:rPr lang="es-ES" sz="1400" dirty="0"/>
               <a:t>Desarrollar una plataforma integral que centralice y automatice la gestión de clientes y ordenes de transporte para mejorar la eficiencia operativa.</a:t>
             </a:r>
           </a:p>
@@ -32808,11 +33474,11 @@
             <a:pPr marL="0" indent="0">
               <a:buNone/>
             </a:pPr>
-            <a:endParaRPr lang="es-ES" dirty="0"/>
+            <a:endParaRPr lang="es-ES" sz="1400" dirty="0"/>
           </a:p>
           <a:p>
             <a:r>
-              <a:rPr lang="es-ES" dirty="0"/>
+              <a:rPr lang="es-ES" sz="1400" dirty="0"/>
               <a:t>Mejorar la experiencia del cliente con una interfaz intuitiva y funcional que facilite la interacción entre los clientes y Setralog, mejorando la satisfacción y fidelización de los clientes.</a:t>
             </a:r>
           </a:p>
@@ -32841,11 +33507,13 @@
           </a:xfrm>
         </p:spPr>
         <p:txBody>
-          <a:bodyPr/>
+          <a:bodyPr>
+            <a:normAutofit/>
+          </a:bodyPr>
           <a:lstStyle/>
           <a:p>
             <a:r>
-              <a:rPr lang="es-ES" dirty="0"/>
+              <a:rPr lang="es-ES" sz="1400" dirty="0"/>
               <a:t>Aumentar la eficiencia, mediante una solución tecnológica que haga el uso adecuado de los recursos y mejore los tiempos de respuesta.</a:t>
             </a:r>
           </a:p>
@@ -32972,7 +33640,11 @@
               <a:buChar char="•"/>
             </a:pPr>
             <a:r>
-              <a:rPr lang="es-ES" dirty="0"/>
+              <a:rPr lang="es-ES" sz="1600" b="0" dirty="0">
+                <a:solidFill>
+                  <a:schemeClr val="tx1"/>
+                </a:solidFill>
+              </a:rPr>
               <a:t>Desarrollo de módulo de gestión de clientes</a:t>
             </a:r>
           </a:p>
@@ -32982,7 +33654,11 @@
               <a:buChar char="•"/>
             </a:pPr>
             <a:r>
-              <a:rPr lang="es-ES" dirty="0"/>
+              <a:rPr lang="es-ES" sz="1600" b="0" dirty="0">
+                <a:solidFill>
+                  <a:schemeClr val="tx1"/>
+                </a:solidFill>
+              </a:rPr>
               <a:t>Desarrollo de módulo de orden de transporte</a:t>
             </a:r>
           </a:p>
@@ -32992,7 +33668,11 @@
               <a:buChar char="•"/>
             </a:pPr>
             <a:r>
-              <a:rPr lang="es-ES" dirty="0"/>
+              <a:rPr lang="es-ES" sz="1600" b="0" dirty="0">
+                <a:solidFill>
+                  <a:schemeClr val="tx1"/>
+                </a:solidFill>
+              </a:rPr>
               <a:t>Integración de plataforma Cloud</a:t>
             </a:r>
           </a:p>
@@ -33002,7 +33682,11 @@
               <a:buChar char="•"/>
             </a:pPr>
             <a:r>
-              <a:rPr lang="es-ES" dirty="0"/>
+              <a:rPr lang="es-ES" sz="1600" b="0" dirty="0">
+                <a:solidFill>
+                  <a:schemeClr val="tx1"/>
+                </a:solidFill>
+              </a:rPr>
               <a:t>Seguridad de la información</a:t>
             </a:r>
           </a:p>
@@ -33012,7 +33696,11 @@
               <a:buChar char="•"/>
             </a:pPr>
             <a:r>
-              <a:rPr lang="es-ES" dirty="0"/>
+              <a:rPr lang="es-ES" sz="1600" b="0" dirty="0">
+                <a:solidFill>
+                  <a:schemeClr val="tx1"/>
+                </a:solidFill>
+              </a:rPr>
               <a:t>Capacitación y Soporte</a:t>
             </a:r>
           </a:p>
@@ -33468,7 +34156,7 @@
         <p:spPr>
           <a:xfrm>
             <a:off x="839788" y="2323458"/>
-            <a:ext cx="5157787" cy="3387547"/>
+            <a:ext cx="9964570" cy="3387547"/>
           </a:xfrm>
         </p:spPr>
         <p:txBody>
@@ -33477,50 +34165,47 @@
           </a:bodyPr>
           <a:lstStyle/>
           <a:p>
+            <a:pPr marL="0" indent="0">
+              <a:buNone/>
+            </a:pPr>
+            <a:endParaRPr lang="es-ES" sz="1400" dirty="0"/>
+          </a:p>
+          <a:p>
             <a:r>
-              <a:rPr lang="es-ES" sz="1400" dirty="0"/>
-              <a:t>Teniendo en cuenta los factores que nos pueden jugar en contra a la hora de comenzar con el desarrollo de este proyecto, como el tiempo con el que contamos por la duración de la asignatura (aprox. 3.5 meses) y las tecnologías que destinemos para desarrollar la plataforma (el uso de algún servicio pago que sea para agregar una funcionalidad o mejorar a la seguridad de la solución) es que decidimos dividir y acotar la idea general del proyecto, que en un principio era prácticamente reestructurar la plataforma con la que cuenta SetraLog e implementar las nuevas funciones, tanto como el que se registren los clientes, entren las órdenes y se haga el despacho, como el seguimiento y control de este.</a:t>
-            </a:r>
-          </a:p>
-        </p:txBody>
-      </p:sp>
-      <p:sp>
-        <p:nvSpPr>
-          <p:cNvPr id="17" name="Content Placeholder 7">
-            <a:extLst>
-              <a:ext uri="{FF2B5EF4-FFF2-40B4-BE49-F238E27FC236}">
-                <a16:creationId xmlns:a16="http://schemas.microsoft.com/office/drawing/2014/main" id="{08A07DF9-44E0-AC97-A039-02DF0D4743C4}"/>
-              </a:ext>
-            </a:extLst>
-          </p:cNvPr>
-          <p:cNvSpPr>
-            <a:spLocks noGrp="1"/>
-          </p:cNvSpPr>
-          <p:nvPr>
-            <p:ph sz="quarter" idx="4"/>
-          </p:nvPr>
-        </p:nvSpPr>
-        <p:spPr>
-          <a:xfrm>
-            <a:off x="6172200" y="2323458"/>
-            <a:ext cx="5183188" cy="3387547"/>
-          </a:xfrm>
-        </p:spPr>
-        <p:txBody>
-          <a:bodyPr/>
-          <a:lstStyle/>
-          <a:p>
-            <a:r>
-              <a:rPr lang="en-US" sz="1400" dirty="0"/>
-              <a:t>Luego de conocer </a:t>
+              <a:rPr lang="es-MX" sz="1400" dirty="0"/>
+              <a:t>El ramo </a:t>
             </a:r>
             <a:r>
-              <a:rPr lang="es-ES" sz="1400" dirty="0"/>
-              <a:t>los factores que nos podrían retrasar/jugar en contra claramente tenemos que pasar al por qué creemos que si es posible desarrollarlo; arquitectura conocida, soluciones de código abierto con soporte por grandes comunidades de programadores y apoyo de parte de profesionales del área.</a:t>
+              <a:rPr lang="es-MX" sz="1400" dirty="0" err="1"/>
+              <a:t>Capstone</a:t>
             </a:r>
-          </a:p>
-          <a:p>
-            <a:endParaRPr lang="en-US" dirty="0"/>
+            <a:r>
+              <a:rPr lang="es-MX" sz="1400" dirty="0"/>
+              <a:t> tiene una duración de 3.5 meses, con un total de 65 horas cronológicas de clases. Este tiempo es preciso para desarrollar los dos módulos propuestos, que buscan resolver los problemas planteados en Setralog.</a:t>
+            </a:r>
+          </a:p>
+          <a:p>
+            <a:r>
+              <a:rPr lang="es-MX" sz="1400" dirty="0"/>
+              <a:t>Entre los factores externos que favorecerán la realización del proyecto se incluye el uso de metodologías ágiles como Scrum, así como la implementación de tecnologías bien documentadas y con amplias comunidades de soporte, tales como SQL, JavaScript y Node.js.</a:t>
+            </a:r>
+          </a:p>
+          <a:p>
+            <a:r>
+              <a:rPr lang="es-MX" sz="1400" dirty="0"/>
+              <a:t>Sin embargo, también existen factores externos que podrían jugar en contra, como la dependencia de complementos externos para mejorar las funcionalidades del proyecto. Entre ellos se encuentran </a:t>
+            </a:r>
+            <a:r>
+              <a:rPr lang="es-MX" sz="1400" dirty="0" err="1"/>
+              <a:t>APIs</a:t>
+            </a:r>
+            <a:r>
+              <a:rPr lang="es-MX" sz="1400" dirty="0"/>
+              <a:t> de pago para la obtención de datos externos (como los del SII) y la compra de certificados de seguridad para garantizar la protección del sistema.</a:t>
+            </a:r>
+          </a:p>
+          <a:p>
+            <a:endParaRPr lang="es-ES" sz="1400" dirty="0"/>
           </a:p>
         </p:txBody>
       </p:sp>
@@ -34571,6 +35256,24 @@
 </file>
 
 <file path=customXml/item1.xml><?xml version="1.0" encoding="utf-8"?>
+<?mso-contentType ?>
+<FormTemplates xmlns="http://schemas.microsoft.com/sharepoint/v3/contenttype/forms">
+  <Display>DocumentLibraryForm</Display>
+  <Edit>DocumentLibraryForm</Edit>
+  <New>DocumentLibraryForm</New>
+</FormTemplates>
+</file>
+
+<file path=customXml/item2.xml><?xml version="1.0" encoding="utf-8"?>
+<p:properties xmlns:p="http://schemas.microsoft.com/office/2006/metadata/properties" xmlns:xsi="http://www.w3.org/2001/XMLSchema-instance" xmlns:pc="http://schemas.microsoft.com/office/infopath/2007/PartnerControls">
+  <documentManagement>
+    <_ip_UnifiedCompliancePolicyUIAction xmlns="http://schemas.microsoft.com/sharepoint/v3" xsi:nil="true"/>
+    <_ip_UnifiedCompliancePolicyProperties xmlns="http://schemas.microsoft.com/sharepoint/v3" xsi:nil="true"/>
+  </documentManagement>
+</p:properties>
+</file>
+
+<file path=customXml/item3.xml><?xml version="1.0" encoding="utf-8"?>
 <ct:contentTypeSchema xmlns:ct="http://schemas.microsoft.com/office/2006/metadata/contentType" xmlns:ma="http://schemas.microsoft.com/office/2006/metadata/properties/metaAttributes" ct:_="" ma:_="" ma:contentTypeName="Document" ma:contentTypeID="0x010100DEEA25CC0A0AC24199CDC46C25B8B0BC" ma:contentTypeVersion="10" ma:contentTypeDescription="Create a new document." ma:contentTypeScope="" ma:versionID="e3b47856d4cf355c0dacb39e1084d14f">
   <xsd:schema xmlns:xsd="http://www.w3.org/2001/XMLSchema" xmlns:xs="http://www.w3.org/2001/XMLSchema" xmlns:p="http://schemas.microsoft.com/office/2006/metadata/properties" xmlns:ns1="http://schemas.microsoft.com/sharepoint/v3" xmlns:ns2="6dc4bcd6-49db-4c07-9060-8acfc67cef9f" xmlns:ns3="fb0879af-3eba-417a-a55a-ffe6dcd6ca77" targetNamespace="http://schemas.microsoft.com/office/2006/metadata/properties" ma:root="true" ma:fieldsID="a845a615265fdb1f7b12cc65ac20ecbd" ns1:_="" ns2:_="" ns3:_="">
     <xsd:import namespace="http://schemas.microsoft.com/sharepoint/v3"/>
@@ -34778,25 +35481,25 @@
 </ct:contentTypeSchema>
 </file>
 
-<file path=customXml/item2.xml><?xml version="1.0" encoding="utf-8"?>
-<p:properties xmlns:p="http://schemas.microsoft.com/office/2006/metadata/properties" xmlns:xsi="http://www.w3.org/2001/XMLSchema-instance" xmlns:pc="http://schemas.microsoft.com/office/infopath/2007/PartnerControls">
-  <documentManagement>
-    <_ip_UnifiedCompliancePolicyUIAction xmlns="http://schemas.microsoft.com/sharepoint/v3" xsi:nil="true"/>
-    <_ip_UnifiedCompliancePolicyProperties xmlns="http://schemas.microsoft.com/sharepoint/v3" xsi:nil="true"/>
-  </documentManagement>
-</p:properties>
+<file path=customXml/itemProps1.xml><?xml version="1.0" encoding="utf-8"?>
+<ds:datastoreItem xmlns:ds="http://schemas.openxmlformats.org/officeDocument/2006/customXml" ds:itemID="{750F309C-DE10-4641-9043-BB7E781AC404}">
+  <ds:schemaRefs>
+    <ds:schemaRef ds:uri="http://schemas.microsoft.com/sharepoint/v3/contenttype/forms"/>
+  </ds:schemaRefs>
+</ds:datastoreItem>
 </file>
 
-<file path=customXml/item3.xml><?xml version="1.0" encoding="utf-8"?>
-<?mso-contentType ?>
-<FormTemplates xmlns="http://schemas.microsoft.com/sharepoint/v3/contenttype/forms">
-  <Display>DocumentLibraryForm</Display>
-  <Edit>DocumentLibraryForm</Edit>
-  <New>DocumentLibraryForm</New>
-</FormTemplates>
+<file path=customXml/itemProps2.xml><?xml version="1.0" encoding="utf-8"?>
+<ds:datastoreItem xmlns:ds="http://schemas.openxmlformats.org/officeDocument/2006/customXml" ds:itemID="{12024DF7-0783-4549-86B7-A48B29FBA9C2}">
+  <ds:schemaRefs>
+    <ds:schemaRef ds:uri="http://schemas.microsoft.com/office/2006/metadata/properties"/>
+    <ds:schemaRef ds:uri="http://schemas.microsoft.com/office/infopath/2007/PartnerControls"/>
+    <ds:schemaRef ds:uri="http://schemas.microsoft.com/sharepoint/v3"/>
+  </ds:schemaRefs>
+</ds:datastoreItem>
 </file>
 
-<file path=customXml/itemProps1.xml><?xml version="1.0" encoding="utf-8"?>
+<file path=customXml/itemProps3.xml><?xml version="1.0" encoding="utf-8"?>
 <ds:datastoreItem xmlns:ds="http://schemas.openxmlformats.org/officeDocument/2006/customXml" ds:itemID="{A6393BED-762D-4FA3-96CF-866F426A043C}">
   <ds:schemaRefs>
     <ds:schemaRef ds:uri="http://schemas.microsoft.com/office/2006/metadata/contentType"/>
@@ -34814,22 +35517,4 @@
     <ds:schemaRef ds:uri="http://schemas.microsoft.com/internal/obd"/>
   </ds:schemaRefs>
 </ds:datastoreItem>
-</file>
-
-<file path=customXml/itemProps2.xml><?xml version="1.0" encoding="utf-8"?>
-<ds:datastoreItem xmlns:ds="http://schemas.openxmlformats.org/officeDocument/2006/customXml" ds:itemID="{12024DF7-0783-4549-86B7-A48B29FBA9C2}">
-  <ds:schemaRefs>
-    <ds:schemaRef ds:uri="http://schemas.microsoft.com/office/2006/metadata/properties"/>
-    <ds:schemaRef ds:uri="http://schemas.microsoft.com/office/infopath/2007/PartnerControls"/>
-    <ds:schemaRef ds:uri="http://schemas.microsoft.com/sharepoint/v3"/>
-  </ds:schemaRefs>
-</ds:datastoreItem>
-</file>
-
-<file path=customXml/itemProps3.xml><?xml version="1.0" encoding="utf-8"?>
-<ds:datastoreItem xmlns:ds="http://schemas.openxmlformats.org/officeDocument/2006/customXml" ds:itemID="{750F309C-DE10-4641-9043-BB7E781AC404}">
-  <ds:schemaRefs>
-    <ds:schemaRef ds:uri="http://schemas.microsoft.com/sharepoint/v3/contenttype/forms"/>
-  </ds:schemaRefs>
-</ds:datastoreItem>
 </file>